--- a/java/docs/03-java-接口和继承.pptx
+++ b/java/docs/03-java-接口和继承.pptx
@@ -40034,8 +40034,12 @@
               <a:t>和</a:t>
             </a:r>
             <a:r>
+              <a:rPr lang="en-US" altLang="zh-CN" sz="2800" dirty="0" err="1" smtClean="0"/>
+              <a:t>hashCode</a:t>
+            </a:r>
+            <a:r>
               <a:rPr lang="en-US" altLang="zh-CN" sz="2800" dirty="0" smtClean="0"/>
-              <a:t>hash()</a:t>
+              <a:t>()</a:t>
             </a:r>
             <a:r>
               <a:rPr lang="zh-CN" altLang="en-US" sz="2800" dirty="0" smtClean="0"/>
@@ -40170,7 +40174,11 @@
             </a:r>
             <a:r>
               <a:rPr lang="en-US" altLang="zh-CN" dirty="0" smtClean="0"/>
-              <a:t> hash(</a:t>
+              <a:t> </a:t>
+            </a:r>
+            <a:r>
+              <a:rPr lang="en-US" altLang="zh-CN" smtClean="0"/>
+              <a:t>hashCode(</a:t>
             </a:r>
             <a:r>
               <a:rPr lang="zh-CN" altLang="en-US" dirty="0" smtClean="0"/>

--- a/java/docs/03-java-接口和继承.pptx
+++ b/java/docs/03-java-接口和继承.pptx
@@ -41119,17 +41119,17 @@
           </a:p>
           <a:p>
             <a:r>
-              <a:rPr lang="en-US" altLang="zh-CN" dirty="0" err="1" smtClean="0"/>
-              <a:t>ClassDefError</a:t>
+              <a:rPr lang="en-US" altLang="zh-CN" b="1" dirty="0" err="1" smtClean="0"/>
+              <a:t>NoClassDefFoundError</a:t>
             </a:r>
             <a:endParaRPr lang="en-US" altLang="zh-CN" dirty="0" smtClean="0"/>
           </a:p>
           <a:p>
             <a:r>
-              <a:rPr lang="en-US" altLang="zh-CN" dirty="0" err="1" smtClean="0"/>
+              <a:rPr lang="en-US" altLang="zh-CN" b="1" dirty="0" err="1" smtClean="0"/>
               <a:t>ClassNotFoundException</a:t>
             </a:r>
-            <a:endParaRPr lang="zh-CN" altLang="en-US" dirty="0"/>
+            <a:endParaRPr lang="zh-CN" altLang="en-US" b="1" dirty="0"/>
           </a:p>
         </p:txBody>
       </p:sp>

--- a/java/docs/03-java-接口和继承.pptx
+++ b/java/docs/03-java-接口和继承.pptx
@@ -213,7 +213,7 @@
           <a:p>
             <a:fld id="{D6CB015B-B7FF-4093-8E19-9AD7339689D2}" type="datetimeFigureOut">
               <a:rPr lang="zh-CN" altLang="en-US" smtClean="0"/>
-              <a:t>2017/12/3</a:t>
+              <a:t>2017/12/4</a:t>
             </a:fld>
             <a:endParaRPr lang="zh-CN" altLang="en-US"/>
           </a:p>
@@ -2183,7 +2183,7 @@
             <a:fld id="{B35E7478-ADE7-4480-A214-01473DFE0029}" type="datetimeFigureOut">
               <a:rPr lang="zh-CN" altLang="en-US" smtClean="0"/>
               <a:pPr/>
-              <a:t>2017/12/3</a:t>
+              <a:t>2017/12/4</a:t>
             </a:fld>
             <a:endParaRPr lang="zh-CN" altLang="en-US"/>
           </a:p>
@@ -6048,7 +6048,7 @@
             <a:fld id="{B35E7478-ADE7-4480-A214-01473DFE0029}" type="datetimeFigureOut">
               <a:rPr lang="zh-CN" altLang="en-US" smtClean="0"/>
               <a:pPr/>
-              <a:t>2017/12/3</a:t>
+              <a:t>2017/12/4</a:t>
             </a:fld>
             <a:endParaRPr lang="zh-CN" altLang="en-US"/>
           </a:p>
@@ -7716,7 +7716,7 @@
             <a:fld id="{B35E7478-ADE7-4480-A214-01473DFE0029}" type="datetimeFigureOut">
               <a:rPr lang="zh-CN" altLang="en-US" smtClean="0"/>
               <a:pPr/>
-              <a:t>2017/12/3</a:t>
+              <a:t>2017/12/4</a:t>
             </a:fld>
             <a:endParaRPr lang="zh-CN" altLang="en-US"/>
           </a:p>
@@ -12020,7 +12020,7 @@
                 </a:solidFill>
               </a:rPr>
               <a:pPr/>
-              <a:t>2017/12/3</a:t>
+              <a:t>2017/12/4</a:t>
             </a:fld>
             <a:endParaRPr lang="zh-CN" altLang="en-US">
               <a:solidFill>
@@ -15938,7 +15938,7 @@
                 </a:solidFill>
               </a:rPr>
               <a:pPr/>
-              <a:t>2017/12/3</a:t>
+              <a:t>2017/12/4</a:t>
             </a:fld>
             <a:endParaRPr lang="zh-CN" altLang="en-US">
               <a:solidFill>
@@ -21789,7 +21789,7 @@
                 </a:solidFill>
               </a:rPr>
               <a:pPr/>
-              <a:t>2017/12/3</a:t>
+              <a:t>2017/12/4</a:t>
             </a:fld>
             <a:endParaRPr lang="zh-CN" altLang="en-US">
               <a:solidFill>
@@ -22379,7 +22379,7 @@
                 </a:solidFill>
               </a:rPr>
               <a:pPr/>
-              <a:t>2017/12/3</a:t>
+              <a:t>2017/12/4</a:t>
             </a:fld>
             <a:endParaRPr lang="zh-CN" altLang="en-US">
               <a:solidFill>
@@ -26083,7 +26083,7 @@
                 </a:solidFill>
               </a:rPr>
               <a:pPr/>
-              <a:t>2017/12/3</a:t>
+              <a:t>2017/12/4</a:t>
             </a:fld>
             <a:endParaRPr lang="zh-CN" altLang="en-US">
               <a:solidFill>
@@ -26217,7 +26217,7 @@
                 </a:solidFill>
               </a:rPr>
               <a:pPr/>
-              <a:t>2017/12/3</a:t>
+              <a:t>2017/12/4</a:t>
             </a:fld>
             <a:endParaRPr lang="zh-CN" altLang="en-US">
               <a:solidFill>
@@ -27046,7 +27046,7 @@
             <a:fld id="{B35E7478-ADE7-4480-A214-01473DFE0029}" type="datetimeFigureOut">
               <a:rPr lang="zh-CN" altLang="en-US" smtClean="0"/>
               <a:pPr/>
-              <a:t>2017/12/3</a:t>
+              <a:t>2017/12/4</a:t>
             </a:fld>
             <a:endParaRPr lang="zh-CN" altLang="en-US"/>
           </a:p>
@@ -32374,7 +32374,7 @@
             <a:fld id="{B35E7478-ADE7-4480-A214-01473DFE0029}" type="datetimeFigureOut">
               <a:rPr lang="zh-CN" altLang="en-US" smtClean="0"/>
               <a:pPr/>
-              <a:t>2017/12/3</a:t>
+              <a:t>2017/12/4</a:t>
             </a:fld>
             <a:endParaRPr lang="zh-CN" altLang="en-US"/>
           </a:p>
@@ -37728,7 +37728,7 @@
             <a:fld id="{B35E7478-ADE7-4480-A214-01473DFE0029}" type="datetimeFigureOut">
               <a:rPr lang="zh-CN" altLang="en-US" smtClean="0"/>
               <a:pPr/>
-              <a:t>2017/12/3</a:t>
+              <a:t>2017/12/4</a:t>
             </a:fld>
             <a:endParaRPr lang="zh-CN" altLang="en-US"/>
           </a:p>
@@ -37825,7 +37825,7 @@
             <a:fld id="{B35E7478-ADE7-4480-A214-01473DFE0029}" type="datetimeFigureOut">
               <a:rPr lang="zh-CN" altLang="en-US" smtClean="0"/>
               <a:pPr/>
-              <a:t>2017/12/3</a:t>
+              <a:t>2017/12/4</a:t>
             </a:fld>
             <a:endParaRPr lang="zh-CN" altLang="en-US"/>
           </a:p>
@@ -38111,7 +38111,7 @@
             <a:fld id="{B35E7478-ADE7-4480-A214-01473DFE0029}" type="datetimeFigureOut">
               <a:rPr lang="zh-CN" altLang="en-US" smtClean="0"/>
               <a:pPr/>
-              <a:t>2017/12/3</a:t>
+              <a:t>2017/12/4</a:t>
             </a:fld>
             <a:endParaRPr lang="zh-CN" altLang="en-US"/>
           </a:p>
@@ -38366,7 +38366,7 @@
             <a:fld id="{B35E7478-ADE7-4480-A214-01473DFE0029}" type="datetimeFigureOut">
               <a:rPr lang="zh-CN" altLang="en-US" smtClean="0"/>
               <a:pPr/>
-              <a:t>2017/12/3</a:t>
+              <a:t>2017/12/4</a:t>
             </a:fld>
             <a:endParaRPr lang="zh-CN" altLang="en-US"/>
           </a:p>
@@ -38538,7 +38538,7 @@
             <a:fld id="{B35E7478-ADE7-4480-A214-01473DFE0029}" type="datetimeFigureOut">
               <a:rPr lang="zh-CN" altLang="en-US" smtClean="0"/>
               <a:pPr/>
-              <a:t>2017/12/3</a:t>
+              <a:t>2017/12/4</a:t>
             </a:fld>
             <a:endParaRPr lang="zh-CN" altLang="en-US"/>
           </a:p>
@@ -38765,7 +38765,7 @@
             <a:fld id="{B35E7478-ADE7-4480-A214-01473DFE0029}" type="datetimeFigureOut">
               <a:rPr lang="zh-CN" altLang="en-US" smtClean="0"/>
               <a:pPr/>
-              <a:t>2017/12/3</a:t>
+              <a:t>2017/12/4</a:t>
             </a:fld>
             <a:endParaRPr lang="zh-CN" altLang="en-US"/>
           </a:p>
@@ -39301,7 +39301,7 @@
                 </a:solidFill>
               </a:rPr>
               <a:pPr/>
-              <a:t>2017/12/3</a:t>
+              <a:t>2017/12/4</a:t>
             </a:fld>
             <a:endParaRPr lang="zh-CN" altLang="en-US">
               <a:solidFill>
@@ -40177,8 +40177,12 @@
               <a:t> </a:t>
             </a:r>
             <a:r>
-              <a:rPr lang="en-US" altLang="zh-CN" smtClean="0"/>
-              <a:t>hashCode(</a:t>
+              <a:rPr lang="en-US" altLang="zh-CN" dirty="0" err="1" smtClean="0"/>
+              <a:t>hashCode</a:t>
+            </a:r>
+            <a:r>
+              <a:rPr lang="en-US" altLang="zh-CN" dirty="0" smtClean="0"/>
+              <a:t>(</a:t>
             </a:r>
             <a:r>
               <a:rPr lang="zh-CN" altLang="en-US" dirty="0" smtClean="0"/>
@@ -40214,15 +40218,19 @@
             </a:r>
             <a:r>
               <a:rPr lang="en-US" altLang="zh-CN" dirty="0" err="1" smtClean="0"/>
-              <a:t>a.hash</a:t>
+              <a:t>a.hashCode</a:t>
             </a:r>
             <a:r>
               <a:rPr lang="en-US" altLang="zh-CN" dirty="0" smtClean="0"/>
-              <a:t>() == </a:t>
+              <a:t>() </a:t>
+            </a:r>
+            <a:r>
+              <a:rPr lang="en-US" altLang="zh-CN" dirty="0" smtClean="0"/>
+              <a:t>== </a:t>
             </a:r>
             <a:r>
               <a:rPr lang="en-US" altLang="zh-CN" dirty="0" err="1" smtClean="0"/>
-              <a:t>b.hash</a:t>
+              <a:t>b.hashCode</a:t>
             </a:r>
             <a:r>
               <a:rPr lang="en-US" altLang="zh-CN" dirty="0" smtClean="0"/>

--- a/java/docs/03-java-接口和继承.pptx
+++ b/java/docs/03-java-接口和继承.pptx
@@ -6,7 +6,7 @@
     <p:sldMasterId id="2147483660" r:id="rId2"/>
   </p:sldMasterIdLst>
   <p:notesMasterIdLst>
-    <p:notesMasterId r:id="rId24"/>
+    <p:notesMasterId r:id="rId25"/>
   </p:notesMasterIdLst>
   <p:sldIdLst>
     <p:sldId id="256" r:id="rId3"/>
@@ -27,9 +27,10 @@
     <p:sldId id="273" r:id="rId18"/>
     <p:sldId id="275" r:id="rId19"/>
     <p:sldId id="280" r:id="rId20"/>
-    <p:sldId id="274" r:id="rId21"/>
-    <p:sldId id="279" r:id="rId22"/>
-    <p:sldId id="261" r:id="rId23"/>
+    <p:sldId id="281" r:id="rId21"/>
+    <p:sldId id="274" r:id="rId22"/>
+    <p:sldId id="279" r:id="rId23"/>
+    <p:sldId id="261" r:id="rId24"/>
   </p:sldIdLst>
   <p:sldSz cx="9144000" cy="6858000" type="screen4x3"/>
   <p:notesSz cx="6858000" cy="9144000"/>
@@ -568,7 +569,7 @@
             <a:fld id="{96901A81-0F01-4EEE-B1B8-8AAFCC661EC4}" type="slidenum">
               <a:rPr lang="zh-CN" altLang="en-US" smtClean="0"/>
               <a:pPr/>
-              <a:t>21</a:t>
+              <a:t>22</a:t>
             </a:fld>
             <a:endParaRPr lang="zh-CN" altLang="en-US"/>
           </a:p>
@@ -39976,6 +39977,13 @@
   <p:clrMapOvr>
     <a:masterClrMapping/>
   </p:clrMapOvr>
+  <p:timing>
+    <p:tnLst>
+      <p:par>
+        <p:cTn id="1" dur="indefinite" restart="never" nodeType="tmRoot"/>
+      </p:par>
+    </p:tnLst>
+  </p:timing>
 </p:sld>
 </file>
 
@@ -40125,8 +40133,16 @@
           </a:p>
           <a:p>
             <a:r>
+              <a:rPr lang="en-US" altLang="zh-CN" dirty="0" err="1" smtClean="0"/>
+              <a:t>boolean</a:t>
+            </a:r>
+            <a:r>
               <a:rPr lang="en-US" altLang="zh-CN" dirty="0" smtClean="0"/>
-              <a:t>bool equals()</a:t>
+              <a:t> </a:t>
+            </a:r>
+            <a:r>
+              <a:rPr lang="en-US" altLang="zh-CN" dirty="0" smtClean="0"/>
+              <a:t>equals()</a:t>
             </a:r>
           </a:p>
           <a:p>
@@ -40222,11 +40238,7 @@
             </a:r>
             <a:r>
               <a:rPr lang="en-US" altLang="zh-CN" dirty="0" smtClean="0"/>
-              <a:t>() </a:t>
-            </a:r>
-            <a:r>
-              <a:rPr lang="en-US" altLang="zh-CN" dirty="0" smtClean="0"/>
-              <a:t>== </a:t>
+              <a:t>() == </a:t>
             </a:r>
             <a:r>
               <a:rPr lang="en-US" altLang="zh-CN" dirty="0" err="1" smtClean="0"/>
@@ -41223,7 +41235,9 @@
         </p:nvSpPr>
         <p:spPr/>
         <p:txBody>
-          <a:bodyPr/>
+          <a:bodyPr>
+            <a:normAutofit lnSpcReduction="10000"/>
+          </a:bodyPr>
           <a:lstStyle/>
           <a:p>
             <a:pPr marL="0" indent="0">
@@ -41291,8 +41305,22 @@
             </a:r>
             <a:r>
               <a:rPr lang="en-US" altLang="zh-CN" dirty="0" smtClean="0"/>
-              <a:t>    }</a:t>
-            </a:r>
+              <a:t>    </a:t>
+            </a:r>
+            <a:r>
+              <a:rPr lang="en-US" altLang="zh-CN" dirty="0" smtClean="0"/>
+              <a:t>}</a:t>
+            </a:r>
+          </a:p>
+          <a:p>
+            <a:pPr marL="0" indent="0">
+              <a:buNone/>
+            </a:pPr>
+            <a:r>
+              <a:rPr lang="en-US" altLang="zh-CN" dirty="0"/>
+              <a:t>}</a:t>
+            </a:r>
+            <a:endParaRPr lang="en-US" altLang="zh-CN" dirty="0" smtClean="0"/>
           </a:p>
           <a:p>
             <a:r>
@@ -41419,10 +41447,15 @@
             <p:ph idx="1"/>
           </p:nvPr>
         </p:nvSpPr>
-        <p:spPr/>
+        <p:spPr>
+          <a:xfrm>
+            <a:off x="539552" y="908720"/>
+            <a:ext cx="8229600" cy="5544616"/>
+          </a:xfrm>
+        </p:spPr>
         <p:txBody>
           <a:bodyPr>
-            <a:normAutofit fontScale="55000" lnSpcReduction="20000"/>
+            <a:normAutofit fontScale="47500" lnSpcReduction="20000"/>
           </a:bodyPr>
           <a:lstStyle/>
           <a:p>
@@ -41430,37 +41463,16 @@
               <a:buNone/>
             </a:pPr>
             <a:r>
-              <a:rPr lang="en-US" altLang="zh-CN" dirty="0" smtClean="0"/>
+              <a:rPr lang="en-US" altLang="zh-CN" dirty="0"/>
               <a:t>public class </a:t>
             </a:r>
             <a:r>
-              <a:rPr lang="en-US" altLang="zh-CN" dirty="0" err="1" smtClean="0"/>
-              <a:t>Outter</a:t>
-            </a:r>
-            <a:r>
-              <a:rPr lang="en-US" altLang="zh-CN" dirty="0" smtClean="0"/>
+              <a:rPr lang="en-US" altLang="zh-CN" dirty="0" err="1"/>
+              <a:t>ShadowTest</a:t>
+            </a:r>
+            <a:r>
+              <a:rPr lang="en-US" altLang="zh-CN" dirty="0"/>
               <a:t> {</a:t>
-            </a:r>
-          </a:p>
-          <a:p>
-            <a:pPr marL="0" indent="0">
-              <a:buNone/>
-            </a:pPr>
-            <a:r>
-              <a:rPr lang="en-US" altLang="zh-CN" dirty="0"/>
-              <a:t> </a:t>
-            </a:r>
-            <a:r>
-              <a:rPr lang="en-US" altLang="zh-CN" dirty="0" smtClean="0"/>
-              <a:t>     private </a:t>
-            </a:r>
-            <a:r>
-              <a:rPr lang="en-US" altLang="zh-CN" dirty="0" err="1" smtClean="0"/>
-              <a:t>int</a:t>
-            </a:r>
-            <a:r>
-              <a:rPr lang="en-US" altLang="zh-CN" dirty="0" smtClean="0"/>
-              <a:t> a = 5 ;</a:t>
             </a:r>
           </a:p>
           <a:p>
@@ -41474,22 +41486,23 @@
               <a:buNone/>
             </a:pPr>
             <a:r>
-              <a:rPr lang="en-US" altLang="zh-CN" dirty="0" smtClean="0"/>
-              <a:t>      public get() {</a:t>
+              <a:rPr lang="en-US" altLang="zh-CN" dirty="0"/>
+              <a:t>    public </a:t>
+            </a:r>
+            <a:r>
+              <a:rPr lang="en-US" altLang="zh-CN" dirty="0" err="1"/>
+              <a:t>int</a:t>
+            </a:r>
+            <a:r>
+              <a:rPr lang="en-US" altLang="zh-CN" dirty="0"/>
+              <a:t> x = 0;</a:t>
             </a:r>
           </a:p>
           <a:p>
             <a:pPr marL="0" indent="0">
               <a:buNone/>
             </a:pPr>
-            <a:r>
-              <a:rPr lang="en-US" altLang="zh-CN" dirty="0"/>
-              <a:t> </a:t>
-            </a:r>
-            <a:r>
-              <a:rPr lang="en-US" altLang="zh-CN" dirty="0" smtClean="0"/>
-              <a:t>          return new Inner() ;</a:t>
-            </a:r>
+            <a:endParaRPr lang="en-US" altLang="zh-CN" dirty="0"/>
           </a:p>
           <a:p>
             <a:pPr marL="0" indent="0">
@@ -41497,25 +41510,22 @@
             </a:pPr>
             <a:r>
               <a:rPr lang="en-US" altLang="zh-CN" dirty="0"/>
-              <a:t> </a:t>
-            </a:r>
-            <a:r>
-              <a:rPr lang="en-US" altLang="zh-CN" dirty="0" smtClean="0"/>
-              <a:t>     }</a:t>
+              <a:t>    class </a:t>
+            </a:r>
+            <a:r>
+              <a:rPr lang="en-US" altLang="zh-CN" dirty="0" err="1"/>
+              <a:t>FirstLevel</a:t>
+            </a:r>
+            <a:r>
+              <a:rPr lang="en-US" altLang="zh-CN" dirty="0"/>
+              <a:t> {</a:t>
             </a:r>
           </a:p>
           <a:p>
             <a:pPr marL="0" indent="0">
               <a:buNone/>
             </a:pPr>
-            <a:r>
-              <a:rPr lang="en-US" altLang="zh-CN" dirty="0"/>
-              <a:t> </a:t>
-            </a:r>
-            <a:r>
-              <a:rPr lang="en-US" altLang="zh-CN" dirty="0" smtClean="0"/>
-              <a:t>     </a:t>
-            </a:r>
+            <a:endParaRPr lang="en-US" altLang="zh-CN" dirty="0"/>
           </a:p>
           <a:p>
             <a:pPr marL="0" indent="0">
@@ -41523,33 +41533,22 @@
             </a:pPr>
             <a:r>
               <a:rPr lang="en-US" altLang="zh-CN" dirty="0"/>
-              <a:t> </a:t>
-            </a:r>
-            <a:r>
-              <a:rPr lang="en-US" altLang="zh-CN" dirty="0" smtClean="0"/>
-              <a:t>     public class Inner {</a:t>
+              <a:t>        public </a:t>
+            </a:r>
+            <a:r>
+              <a:rPr lang="en-US" altLang="zh-CN" dirty="0" err="1"/>
+              <a:t>int</a:t>
+            </a:r>
+            <a:r>
+              <a:rPr lang="en-US" altLang="zh-CN" dirty="0"/>
+              <a:t> x = 1;</a:t>
             </a:r>
           </a:p>
           <a:p>
             <a:pPr marL="0" indent="0">
               <a:buNone/>
             </a:pPr>
-            <a:r>
-              <a:rPr lang="en-US" altLang="zh-CN" dirty="0"/>
-              <a:t> </a:t>
-            </a:r>
-            <a:r>
-              <a:rPr lang="en-US" altLang="zh-CN" dirty="0" smtClean="0"/>
-              <a:t>          public </a:t>
-            </a:r>
-            <a:r>
-              <a:rPr lang="en-US" altLang="zh-CN" dirty="0" err="1" smtClean="0"/>
-              <a:t>int</a:t>
-            </a:r>
-            <a:r>
-              <a:rPr lang="en-US" altLang="zh-CN" dirty="0" smtClean="0"/>
-              <a:t> m() {</a:t>
-            </a:r>
+            <a:endParaRPr lang="en-US" altLang="zh-CN" dirty="0"/>
           </a:p>
           <a:p>
             <a:pPr marL="0" indent="0">
@@ -41557,11 +41556,23 @@
             </a:pPr>
             <a:r>
               <a:rPr lang="en-US" altLang="zh-CN" dirty="0"/>
-              <a:t> </a:t>
-            </a:r>
-            <a:r>
-              <a:rPr lang="en-US" altLang="zh-CN" dirty="0" smtClean="0"/>
-              <a:t>                return 5 ;</a:t>
+              <a:t>        void </a:t>
+            </a:r>
+            <a:r>
+              <a:rPr lang="en-US" altLang="zh-CN" dirty="0" err="1"/>
+              <a:t>methodInFirstLevel</a:t>
+            </a:r>
+            <a:r>
+              <a:rPr lang="en-US" altLang="zh-CN" dirty="0"/>
+              <a:t>(</a:t>
+            </a:r>
+            <a:r>
+              <a:rPr lang="en-US" altLang="zh-CN" dirty="0" err="1"/>
+              <a:t>int</a:t>
+            </a:r>
+            <a:r>
+              <a:rPr lang="en-US" altLang="zh-CN" dirty="0"/>
+              <a:t> x) {</a:t>
             </a:r>
           </a:p>
           <a:p>
@@ -41570,11 +41581,15 @@
             </a:pPr>
             <a:r>
               <a:rPr lang="en-US" altLang="zh-CN" dirty="0"/>
-              <a:t> </a:t>
-            </a:r>
-            <a:r>
-              <a:rPr lang="en-US" altLang="zh-CN" dirty="0" smtClean="0"/>
-              <a:t>          }</a:t>
+              <a:t>            </a:t>
+            </a:r>
+            <a:r>
+              <a:rPr lang="en-US" altLang="zh-CN" dirty="0" err="1"/>
+              <a:t>System.out.println</a:t>
+            </a:r>
+            <a:r>
+              <a:rPr lang="en-US" altLang="zh-CN" dirty="0"/>
+              <a:t>("x = " + x);</a:t>
             </a:r>
           </a:p>
           <a:p>
@@ -41582,8 +41597,32 @@
               <a:buNone/>
             </a:pPr>
             <a:r>
-              <a:rPr lang="en-US" altLang="zh-CN" dirty="0" smtClean="0"/>
-              <a:t>      }</a:t>
+              <a:rPr lang="en-US" altLang="zh-CN" dirty="0"/>
+              <a:t>            </a:t>
+            </a:r>
+            <a:r>
+              <a:rPr lang="en-US" altLang="zh-CN" dirty="0" err="1"/>
+              <a:t>System.out.println</a:t>
+            </a:r>
+            <a:r>
+              <a:rPr lang="en-US" altLang="zh-CN" dirty="0"/>
+              <a:t>("</a:t>
+            </a:r>
+            <a:r>
+              <a:rPr lang="en-US" altLang="zh-CN" dirty="0" err="1"/>
+              <a:t>this.x</a:t>
+            </a:r>
+            <a:r>
+              <a:rPr lang="en-US" altLang="zh-CN" dirty="0"/>
+              <a:t> = " + </a:t>
+            </a:r>
+            <a:r>
+              <a:rPr lang="en-US" altLang="zh-CN" dirty="0" err="1"/>
+              <a:t>this.x</a:t>
+            </a:r>
+            <a:r>
+              <a:rPr lang="en-US" altLang="zh-CN" dirty="0"/>
+              <a:t>);</a:t>
             </a:r>
           </a:p>
           <a:p>
@@ -41591,8 +41630,44 @@
               <a:buNone/>
             </a:pPr>
             <a:r>
-              <a:rPr lang="en-US" altLang="zh-CN" dirty="0" smtClean="0"/>
-              <a:t>}</a:t>
+              <a:rPr lang="en-US" altLang="zh-CN" dirty="0"/>
+              <a:t>            </a:t>
+            </a:r>
+            <a:r>
+              <a:rPr lang="en-US" altLang="zh-CN" dirty="0" err="1"/>
+              <a:t>System.out.println</a:t>
+            </a:r>
+            <a:r>
+              <a:rPr lang="en-US" altLang="zh-CN" dirty="0"/>
+              <a:t>("</a:t>
+            </a:r>
+            <a:r>
+              <a:rPr lang="en-US" altLang="zh-CN" dirty="0" err="1"/>
+              <a:t>ShadowTest.this.x</a:t>
+            </a:r>
+            <a:r>
+              <a:rPr lang="en-US" altLang="zh-CN" dirty="0"/>
+              <a:t> = " </a:t>
+            </a:r>
+            <a:r>
+              <a:rPr lang="en-US" altLang="zh-CN" dirty="0">
+                <a:solidFill>
+                  <a:srgbClr val="C00000"/>
+                </a:solidFill>
+              </a:rPr>
+              <a:t>+ </a:t>
+            </a:r>
+            <a:r>
+              <a:rPr lang="en-US" altLang="zh-CN" dirty="0" err="1">
+                <a:solidFill>
+                  <a:srgbClr val="C00000"/>
+                </a:solidFill>
+              </a:rPr>
+              <a:t>ShadowTest.this.x</a:t>
+            </a:r>
+            <a:r>
+              <a:rPr lang="en-US" altLang="zh-CN" dirty="0"/>
+              <a:t>);</a:t>
             </a:r>
           </a:p>
           <a:p>
@@ -41600,24 +41675,172 @@
               <a:buNone/>
             </a:pPr>
             <a:r>
-              <a:rPr lang="zh-CN" altLang="en-US" dirty="0" smtClean="0"/>
-              <a:t>问题</a:t>
+              <a:rPr lang="en-US" altLang="zh-CN" dirty="0"/>
+              <a:t>        </a:t>
             </a:r>
             <a:r>
               <a:rPr lang="en-US" altLang="zh-CN" dirty="0" smtClean="0"/>
-              <a:t>: </a:t>
-            </a:r>
-            <a:r>
-              <a:rPr lang="zh-CN" altLang="en-US" dirty="0" smtClean="0"/>
-              <a:t>创建</a:t>
+              <a:t>}</a:t>
+            </a:r>
+          </a:p>
+          <a:p>
+            <a:pPr marL="0" indent="0">
+              <a:buNone/>
+            </a:pPr>
+            <a:r>
+              <a:rPr lang="en-US" altLang="zh-CN" dirty="0"/>
+              <a:t> </a:t>
             </a:r>
             <a:r>
               <a:rPr lang="en-US" altLang="zh-CN" dirty="0" smtClean="0"/>
-              <a:t>Inner</a:t>
-            </a:r>
-            <a:r>
-              <a:rPr lang="zh-CN" altLang="en-US" dirty="0" smtClean="0"/>
-              <a:t>类的对象</a:t>
+              <a:t>       public void m() {    }</a:t>
+            </a:r>
+            <a:endParaRPr lang="en-US" altLang="zh-CN" dirty="0"/>
+          </a:p>
+          <a:p>
+            <a:pPr marL="0" indent="0">
+              <a:buNone/>
+            </a:pPr>
+            <a:r>
+              <a:rPr lang="en-US" altLang="zh-CN" dirty="0"/>
+              <a:t>    </a:t>
+            </a:r>
+            <a:r>
+              <a:rPr lang="en-US" altLang="zh-CN" dirty="0" smtClean="0"/>
+              <a:t>}</a:t>
+            </a:r>
+            <a:endParaRPr lang="en-US" altLang="zh-CN" dirty="0"/>
+          </a:p>
+          <a:p>
+            <a:pPr marL="0" indent="0">
+              <a:buNone/>
+            </a:pPr>
+            <a:endParaRPr lang="en-US" altLang="zh-CN" dirty="0"/>
+          </a:p>
+          <a:p>
+            <a:pPr marL="0" indent="0">
+              <a:buNone/>
+            </a:pPr>
+            <a:r>
+              <a:rPr lang="en-US" altLang="zh-CN" dirty="0"/>
+              <a:t>    public static void main(String... </a:t>
+            </a:r>
+            <a:r>
+              <a:rPr lang="en-US" altLang="zh-CN" dirty="0" err="1"/>
+              <a:t>args</a:t>
+            </a:r>
+            <a:r>
+              <a:rPr lang="en-US" altLang="zh-CN" dirty="0"/>
+              <a:t>) {</a:t>
+            </a:r>
+          </a:p>
+          <a:p>
+            <a:pPr marL="0" indent="0">
+              <a:buNone/>
+            </a:pPr>
+            <a:r>
+              <a:rPr lang="en-US" altLang="zh-CN" dirty="0"/>
+              <a:t>        </a:t>
+            </a:r>
+            <a:r>
+              <a:rPr lang="en-US" altLang="zh-CN" dirty="0" err="1"/>
+              <a:t>ShadowTest</a:t>
+            </a:r>
+            <a:r>
+              <a:rPr lang="en-US" altLang="zh-CN" dirty="0"/>
+              <a:t> </a:t>
+            </a:r>
+            <a:r>
+              <a:rPr lang="en-US" altLang="zh-CN" dirty="0" err="1"/>
+              <a:t>st</a:t>
+            </a:r>
+            <a:r>
+              <a:rPr lang="en-US" altLang="zh-CN" dirty="0"/>
+              <a:t> = new </a:t>
+            </a:r>
+            <a:r>
+              <a:rPr lang="en-US" altLang="zh-CN" dirty="0" err="1"/>
+              <a:t>ShadowTest</a:t>
+            </a:r>
+            <a:r>
+              <a:rPr lang="en-US" altLang="zh-CN" dirty="0"/>
+              <a:t>();</a:t>
+            </a:r>
+          </a:p>
+          <a:p>
+            <a:pPr marL="0" indent="0">
+              <a:buNone/>
+            </a:pPr>
+            <a:r>
+              <a:rPr lang="en-US" altLang="zh-CN" dirty="0"/>
+              <a:t>        </a:t>
+            </a:r>
+            <a:r>
+              <a:rPr lang="en-US" altLang="zh-CN" dirty="0" err="1"/>
+              <a:t>ShadowTest.FirstLevel</a:t>
+            </a:r>
+            <a:r>
+              <a:rPr lang="en-US" altLang="zh-CN" dirty="0"/>
+              <a:t> </a:t>
+            </a:r>
+            <a:r>
+              <a:rPr lang="en-US" altLang="zh-CN" dirty="0" err="1"/>
+              <a:t>fl</a:t>
+            </a:r>
+            <a:r>
+              <a:rPr lang="en-US" altLang="zh-CN" dirty="0"/>
+              <a:t> = </a:t>
+            </a:r>
+            <a:r>
+              <a:rPr lang="en-US" altLang="zh-CN" dirty="0" err="1"/>
+              <a:t>st.new</a:t>
+            </a:r>
+            <a:r>
+              <a:rPr lang="en-US" altLang="zh-CN" dirty="0"/>
+              <a:t> </a:t>
+            </a:r>
+            <a:r>
+              <a:rPr lang="en-US" altLang="zh-CN" dirty="0" err="1"/>
+              <a:t>FirstLevel</a:t>
+            </a:r>
+            <a:r>
+              <a:rPr lang="en-US" altLang="zh-CN" dirty="0"/>
+              <a:t>();</a:t>
+            </a:r>
+          </a:p>
+          <a:p>
+            <a:pPr marL="0" indent="0">
+              <a:buNone/>
+            </a:pPr>
+            <a:r>
+              <a:rPr lang="en-US" altLang="zh-CN" dirty="0"/>
+              <a:t>        </a:t>
+            </a:r>
+            <a:r>
+              <a:rPr lang="en-US" altLang="zh-CN" dirty="0" err="1"/>
+              <a:t>fl.methodInFirstLevel</a:t>
+            </a:r>
+            <a:r>
+              <a:rPr lang="en-US" altLang="zh-CN" dirty="0"/>
+              <a:t>(23);</a:t>
+            </a:r>
+          </a:p>
+          <a:p>
+            <a:pPr marL="0" indent="0">
+              <a:buNone/>
+            </a:pPr>
+            <a:r>
+              <a:rPr lang="en-US" altLang="zh-CN" dirty="0"/>
+              <a:t>    }</a:t>
+            </a:r>
+          </a:p>
+          <a:p>
+            <a:pPr marL="0" indent="0">
+              <a:buNone/>
+            </a:pPr>
+            <a:r>
+              <a:rPr lang="en-US" altLang="zh-CN" dirty="0"/>
+              <a:t>}</a:t>
             </a:r>
             <a:endParaRPr lang="en-US" altLang="zh-CN" dirty="0" smtClean="0"/>
           </a:p>
@@ -41626,48 +41849,29 @@
               <a:buNone/>
             </a:pPr>
             <a:r>
-              <a:rPr lang="en-US" altLang="zh-CN" dirty="0"/>
-              <a:t> </a:t>
+              <a:rPr lang="zh-CN" altLang="en-US" dirty="0" smtClean="0"/>
+              <a:t>问题：</a:t>
+            </a:r>
+            <a:r>
+              <a:rPr lang="zh-CN" altLang="en-US" dirty="0" smtClean="0"/>
+              <a:t>在方法</a:t>
             </a:r>
             <a:r>
               <a:rPr lang="en-US" altLang="zh-CN" dirty="0" smtClean="0"/>
-              <a:t>    </a:t>
-            </a:r>
-            <a:r>
-              <a:rPr lang="en-US" altLang="zh-CN" dirty="0" err="1"/>
-              <a:t>Outer.Inner</a:t>
-            </a:r>
-            <a:r>
-              <a:rPr lang="en-US" altLang="zh-CN" dirty="0"/>
-              <a:t> </a:t>
-            </a:r>
-            <a:r>
-              <a:rPr lang="en-US" altLang="zh-CN" dirty="0" err="1"/>
-              <a:t>obj</a:t>
-            </a:r>
-            <a:r>
-              <a:rPr lang="en-US" altLang="zh-CN" dirty="0"/>
-              <a:t> = new </a:t>
-            </a:r>
-            <a:r>
-              <a:rPr lang="en-US" altLang="zh-CN" dirty="0" err="1"/>
-              <a:t>Outer.Inner</a:t>
-            </a:r>
-            <a:r>
-              <a:rPr lang="en-US" altLang="zh-CN" dirty="0"/>
-              <a:t>() ;</a:t>
-            </a:r>
-          </a:p>
-          <a:p>
-            <a:pPr marL="0" indent="0">
-              <a:buNone/>
-            </a:pPr>
-            <a:endParaRPr lang="en-US" altLang="zh-CN" dirty="0" smtClean="0"/>
-          </a:p>
-          <a:p>
-            <a:pPr marL="0" indent="0">
-              <a:buNone/>
-            </a:pPr>
+              <a:t>m()</a:t>
+            </a:r>
+            <a:r>
+              <a:rPr lang="zh-CN" altLang="en-US" dirty="0" smtClean="0"/>
+              <a:t>中创建</a:t>
+            </a:r>
+            <a:r>
+              <a:rPr lang="en-US" altLang="zh-CN" dirty="0" err="1" smtClean="0"/>
+              <a:t>FirstLevel</a:t>
+            </a:r>
+            <a:r>
+              <a:rPr lang="zh-CN" altLang="en-US" dirty="0" smtClean="0"/>
+              <a:t>类的实例的表达式是什么</a:t>
+            </a:r>
             <a:endParaRPr lang="zh-CN" altLang="en-US" dirty="0"/>
           </a:p>
         </p:txBody>
@@ -41682,6 +41886,13 @@
   <p:clrMapOvr>
     <a:masterClrMapping/>
   </p:clrMapOvr>
+  <p:timing>
+    <p:tnLst>
+      <p:par>
+        <p:cTn id="1" dur="indefinite" restart="never" nodeType="tmRoot"/>
+      </p:par>
+    </p:tnLst>
+  </p:timing>
 </p:sld>
 </file>
 
@@ -41745,7 +41956,7 @@
         </p:spPr>
         <p:txBody>
           <a:bodyPr>
-            <a:normAutofit fontScale="77500" lnSpcReduction="20000"/>
+            <a:normAutofit fontScale="85000" lnSpcReduction="10000"/>
           </a:bodyPr>
           <a:lstStyle/>
           <a:p>
@@ -41755,7 +41966,11 @@
             </a:r>
             <a:r>
               <a:rPr lang="zh-CN" altLang="en-US" dirty="0" smtClean="0"/>
-              <a:t>类，用于方法实现中</a:t>
+              <a:t>类，用于方法实现</a:t>
+            </a:r>
+            <a:r>
+              <a:rPr lang="zh-CN" altLang="en-US" dirty="0" smtClean="0"/>
+              <a:t>中</a:t>
             </a:r>
             <a:endParaRPr lang="en-US" altLang="zh-CN" dirty="0" smtClean="0"/>
           </a:p>
@@ -41764,8 +41979,8 @@
               <a:buNone/>
             </a:pPr>
             <a:r>
-              <a:rPr lang="en-US" altLang="zh-CN" dirty="0" smtClean="0"/>
-              <a:t>C d = new C(2, 3) {   </a:t>
+              <a:rPr lang="en-US" altLang="zh-CN" dirty="0"/>
+              <a:t>class C {</a:t>
             </a:r>
           </a:p>
           <a:p>
@@ -41773,17 +41988,16 @@
               <a:buNone/>
             </a:pPr>
             <a:r>
-              <a:rPr lang="en-US" altLang="zh-CN" dirty="0" smtClean="0"/>
-              <a:t>      public m() { … }</a:t>
-            </a:r>
-          </a:p>
-          <a:p>
-            <a:pPr marL="0" indent="0">
-              <a:buNone/>
-            </a:pPr>
-            <a:r>
-              <a:rPr lang="en-US" altLang="zh-CN" dirty="0" smtClean="0"/>
-              <a:t>} ;</a:t>
+              <a:rPr lang="en-US" altLang="zh-CN" dirty="0"/>
+              <a:t>  private </a:t>
+            </a:r>
+            <a:r>
+              <a:rPr lang="en-US" altLang="zh-CN" dirty="0" err="1"/>
+              <a:t>int</a:t>
+            </a:r>
+            <a:r>
+              <a:rPr lang="en-US" altLang="zh-CN" dirty="0"/>
+              <a:t> a, b ;</a:t>
             </a:r>
           </a:p>
           <a:p>
@@ -41797,8 +42011,24 @@
               <a:buNone/>
             </a:pPr>
             <a:r>
-              <a:rPr lang="en-US" altLang="zh-CN" dirty="0" smtClean="0"/>
-              <a:t>C d = new C(2,3) {</a:t>
+              <a:rPr lang="en-US" altLang="zh-CN" dirty="0"/>
+              <a:t>  public C(</a:t>
+            </a:r>
+            <a:r>
+              <a:rPr lang="en-US" altLang="zh-CN" dirty="0" err="1"/>
+              <a:t>int</a:t>
+            </a:r>
+            <a:r>
+              <a:rPr lang="en-US" altLang="zh-CN" dirty="0"/>
+              <a:t> a, </a:t>
+            </a:r>
+            <a:r>
+              <a:rPr lang="en-US" altLang="zh-CN" dirty="0" err="1"/>
+              <a:t>int</a:t>
+            </a:r>
+            <a:r>
+              <a:rPr lang="en-US" altLang="zh-CN" dirty="0"/>
+              <a:t> b) {</a:t>
             </a:r>
           </a:p>
           <a:p>
@@ -41807,17 +42037,16 @@
             </a:pPr>
             <a:r>
               <a:rPr lang="en-US" altLang="zh-CN" dirty="0"/>
-              <a:t> </a:t>
-            </a:r>
-            <a:r>
-              <a:rPr lang="en-US" altLang="zh-CN" dirty="0" smtClean="0"/>
-              <a:t>     @</a:t>
-            </a:r>
-            <a:r>
-              <a:rPr lang="en-US" altLang="zh-CN" dirty="0" err="1" smtClean="0"/>
-              <a:t>Overrided</a:t>
-            </a:r>
-            <a:endParaRPr lang="en-US" altLang="zh-CN" dirty="0" smtClean="0"/>
+              <a:t>     </a:t>
+            </a:r>
+            <a:r>
+              <a:rPr lang="en-US" altLang="zh-CN" dirty="0" err="1"/>
+              <a:t>this.a</a:t>
+            </a:r>
+            <a:r>
+              <a:rPr lang="en-US" altLang="zh-CN" dirty="0"/>
+              <a:t> = a;</a:t>
+            </a:r>
           </a:p>
           <a:p>
             <a:pPr marL="0" indent="0">
@@ -41825,19 +42054,15 @@
             </a:pPr>
             <a:r>
               <a:rPr lang="en-US" altLang="zh-CN" dirty="0"/>
-              <a:t> </a:t>
-            </a:r>
-            <a:r>
-              <a:rPr lang="en-US" altLang="zh-CN" dirty="0" smtClean="0"/>
-              <a:t>      public void </a:t>
-            </a:r>
-            <a:r>
-              <a:rPr lang="en-US" altLang="zh-CN" dirty="0" err="1" smtClean="0"/>
-              <a:t>methoName</a:t>
-            </a:r>
-            <a:r>
-              <a:rPr lang="en-US" altLang="zh-CN" dirty="0" smtClean="0"/>
-              <a:t>() {</a:t>
+              <a:t>    </a:t>
+            </a:r>
+            <a:r>
+              <a:rPr lang="en-US" altLang="zh-CN" dirty="0" err="1"/>
+              <a:t>this.b</a:t>
+            </a:r>
+            <a:r>
+              <a:rPr lang="en-US" altLang="zh-CN" dirty="0"/>
+              <a:t> = b;</a:t>
             </a:r>
           </a:p>
           <a:p>
@@ -41846,25 +42071,14 @@
             </a:pPr>
             <a:r>
               <a:rPr lang="en-US" altLang="zh-CN" dirty="0"/>
-              <a:t> </a:t>
-            </a:r>
-            <a:r>
-              <a:rPr lang="en-US" altLang="zh-CN" dirty="0" smtClean="0"/>
-              <a:t>          …..</a:t>
+              <a:t>  }</a:t>
             </a:r>
           </a:p>
           <a:p>
             <a:pPr marL="0" indent="0">
               <a:buNone/>
             </a:pPr>
-            <a:r>
-              <a:rPr lang="en-US" altLang="zh-CN" dirty="0"/>
-              <a:t> </a:t>
-            </a:r>
-            <a:r>
-              <a:rPr lang="en-US" altLang="zh-CN" dirty="0" smtClean="0"/>
-              <a:t>          m() ;</a:t>
-            </a:r>
+            <a:endParaRPr lang="en-US" altLang="zh-CN" dirty="0"/>
           </a:p>
           <a:p>
             <a:pPr marL="0" indent="0">
@@ -41872,11 +42086,15 @@
             </a:pPr>
             <a:r>
               <a:rPr lang="en-US" altLang="zh-CN" dirty="0"/>
-              <a:t> </a:t>
-            </a:r>
-            <a:r>
-              <a:rPr lang="en-US" altLang="zh-CN" dirty="0" smtClean="0"/>
-              <a:t>      }</a:t>
+              <a:t>  public void </a:t>
+            </a:r>
+            <a:r>
+              <a:rPr lang="en-US" altLang="zh-CN" dirty="0" err="1"/>
+              <a:t>methoName</a:t>
+            </a:r>
+            <a:r>
+              <a:rPr lang="en-US" altLang="zh-CN" dirty="0"/>
+              <a:t>() {}</a:t>
             </a:r>
           </a:p>
           <a:p>
@@ -41884,23 +42102,15 @@
               <a:buNone/>
             </a:pPr>
             <a:r>
-              <a:rPr lang="en-US" altLang="zh-CN" dirty="0" smtClean="0"/>
-              <a:t>};</a:t>
+              <a:rPr lang="en-US" altLang="zh-CN" dirty="0"/>
+              <a:t>}</a:t>
             </a:r>
           </a:p>
           <a:p>
             <a:pPr marL="0" indent="0">
               <a:buNone/>
             </a:pPr>
-            <a:r>
-              <a:rPr lang="en-US" altLang="zh-CN" dirty="0" err="1" smtClean="0"/>
-              <a:t>d.mthodName</a:t>
-            </a:r>
-            <a:r>
-              <a:rPr lang="en-US" altLang="zh-CN" dirty="0" smtClean="0"/>
-              <a:t>() ;</a:t>
-            </a:r>
-            <a:endParaRPr lang="zh-CN" altLang="en-US" dirty="0"/>
+            <a:endParaRPr lang="en-US" altLang="zh-CN" dirty="0"/>
           </a:p>
         </p:txBody>
       </p:sp>
@@ -41914,6 +42124,13 @@
   <p:clrMapOvr>
     <a:masterClrMapping/>
   </p:clrMapOvr>
+  <p:timing>
+    <p:tnLst>
+      <p:par>
+        <p:cTn id="1" dur="indefinite" restart="never" nodeType="tmRoot"/>
+      </p:par>
+    </p:tnLst>
+  </p:timing>
 </p:sld>
 </file>
 
@@ -41952,14 +42169,9 @@
           <a:lstStyle/>
           <a:p>
             <a:r>
-              <a:rPr lang="en-US" altLang="zh-CN" dirty="0" smtClean="0"/>
-              <a:t>Wrapper</a:t>
-            </a:r>
-            <a:r>
-              <a:rPr lang="zh-CN" altLang="en-US" dirty="0" smtClean="0"/>
-              <a:t>类</a:t>
-            </a:r>
-            <a:endParaRPr lang="zh-CN" altLang="en-US" dirty="0"/>
+              <a:rPr lang="zh-CN" altLang="en-US" dirty="0"/>
+              <a:t>匿名类</a:t>
+            </a:r>
           </a:p>
         </p:txBody>
       </p:sp>
@@ -41973,189 +42185,208 @@
             <p:ph idx="1"/>
           </p:nvPr>
         </p:nvSpPr>
-        <p:spPr>
-          <a:xfrm>
-            <a:off x="457200" y="1196752"/>
-            <a:ext cx="8229600" cy="4929411"/>
-          </a:xfrm>
-        </p:spPr>
+        <p:spPr/>
         <p:txBody>
           <a:bodyPr>
-            <a:normAutofit fontScale="92500"/>
+            <a:normAutofit fontScale="47500" lnSpcReduction="20000"/>
           </a:bodyPr>
           <a:lstStyle/>
           <a:p>
             <a:r>
-              <a:rPr lang="en-US" altLang="zh-CN" dirty="0" smtClean="0"/>
-              <a:t>Byte</a:t>
-            </a:r>
-            <a:r>
-              <a:rPr lang="zh-CN" altLang="en-US" dirty="0"/>
-              <a:t>、</a:t>
-            </a:r>
-            <a:r>
-              <a:rPr lang="en-US" altLang="zh-CN" dirty="0"/>
-              <a:t>Short</a:t>
-            </a:r>
-            <a:r>
-              <a:rPr lang="zh-CN" altLang="en-US" dirty="0"/>
-              <a:t>、</a:t>
-            </a:r>
-            <a:r>
-              <a:rPr lang="en-US" altLang="zh-CN" dirty="0"/>
-              <a:t>Integer</a:t>
-            </a:r>
-            <a:r>
-              <a:rPr lang="zh-CN" altLang="en-US" dirty="0"/>
-              <a:t>、</a:t>
-            </a:r>
-            <a:r>
-              <a:rPr lang="en-US" altLang="zh-CN" dirty="0"/>
-              <a:t>Long</a:t>
-            </a:r>
-            <a:r>
-              <a:rPr lang="zh-CN" altLang="en-US" dirty="0"/>
-              <a:t>、</a:t>
-            </a:r>
-            <a:r>
-              <a:rPr lang="en-US" altLang="zh-CN" dirty="0"/>
-              <a:t>Character</a:t>
-            </a:r>
-            <a:r>
-              <a:rPr lang="zh-CN" altLang="en-US" dirty="0"/>
-              <a:t>、         </a:t>
-            </a:r>
-            <a:r>
-              <a:rPr lang="en-US" altLang="zh-CN" dirty="0"/>
-              <a:t>Float</a:t>
-            </a:r>
-            <a:r>
-              <a:rPr lang="zh-CN" altLang="en-US" dirty="0"/>
-              <a:t>、</a:t>
-            </a:r>
-            <a:r>
-              <a:rPr lang="en-US" altLang="zh-CN" dirty="0"/>
-              <a:t>Double</a:t>
-            </a:r>
-            <a:r>
-              <a:rPr lang="zh-CN" altLang="en-US" dirty="0"/>
-              <a:t>、</a:t>
-            </a:r>
-            <a:r>
-              <a:rPr lang="en-US" altLang="zh-CN" dirty="0" smtClean="0"/>
-              <a:t>Boolean</a:t>
+              <a:rPr lang="en-US" altLang="zh-CN" b="1" dirty="0"/>
+              <a:t>public class </a:t>
+            </a:r>
+            <a:r>
+              <a:rPr lang="en-US" altLang="zh-CN" b="1" dirty="0" smtClean="0"/>
+              <a:t> Anno </a:t>
+            </a:r>
+            <a:r>
+              <a:rPr lang="en-US" altLang="zh-CN" b="1" dirty="0"/>
+              <a:t>{</a:t>
             </a:r>
           </a:p>
           <a:p>
             <a:r>
-              <a:rPr lang="en-US" altLang="zh-CN" dirty="0" smtClean="0"/>
-              <a:t>auto-boxing/auto-unboxing</a:t>
+              <a:rPr lang="en-US" altLang="zh-CN" b="1" dirty="0" smtClean="0"/>
+              <a:t>   public </a:t>
+            </a:r>
+            <a:r>
+              <a:rPr lang="en-US" altLang="zh-CN" b="1" dirty="0"/>
+              <a:t>static void main(String[] </a:t>
+            </a:r>
+            <a:r>
+              <a:rPr lang="en-US" altLang="zh-CN" b="1" dirty="0" err="1"/>
+              <a:t>args</a:t>
+            </a:r>
+            <a:r>
+              <a:rPr lang="en-US" altLang="zh-CN" b="1" dirty="0"/>
+              <a:t>) {</a:t>
             </a:r>
           </a:p>
           <a:p>
-            <a:pPr marL="0" indent="0">
-              <a:buNone/>
-            </a:pPr>
             <a:r>
               <a:rPr lang="en-US" altLang="zh-CN" dirty="0" smtClean="0"/>
-              <a:t>       Integer m = 5 ;</a:t>
+              <a:t>      C </a:t>
+            </a:r>
+            <a:r>
+              <a:rPr lang="en-US" altLang="zh-CN" dirty="0"/>
+              <a:t>d = </a:t>
+            </a:r>
+            <a:r>
+              <a:rPr lang="en-US" altLang="zh-CN" b="1" dirty="0"/>
+              <a:t>new C(2, 3) {</a:t>
             </a:r>
           </a:p>
           <a:p>
-            <a:pPr marL="0" indent="0">
-              <a:buNone/>
-            </a:pPr>
-            <a:r>
-              <a:rPr lang="en-US" altLang="zh-CN" dirty="0"/>
+            <a:r>
+              <a:rPr lang="en-US" altLang="zh-CN" b="1" dirty="0" smtClean="0"/>
+              <a:t>           private </a:t>
+            </a:r>
+            <a:r>
+              <a:rPr lang="en-US" altLang="zh-CN" b="1" dirty="0" err="1"/>
+              <a:t>int</a:t>
+            </a:r>
+            <a:r>
+              <a:rPr lang="en-US" altLang="zh-CN" b="1" dirty="0"/>
               <a:t> </a:t>
             </a:r>
             <a:r>
-              <a:rPr lang="en-US" altLang="zh-CN" dirty="0" smtClean="0"/>
-              <a:t>      </a:t>
-            </a:r>
-            <a:r>
-              <a:rPr lang="en-US" altLang="zh-CN" dirty="0" err="1" smtClean="0"/>
-              <a:t>int</a:t>
-            </a:r>
-            <a:r>
-              <a:rPr lang="en-US" altLang="zh-CN" dirty="0" smtClean="0"/>
-              <a:t> n = m ;</a:t>
+              <a:rPr lang="en-US" altLang="zh-CN" b="1" u="sng" dirty="0"/>
+              <a:t>f;</a:t>
             </a:r>
           </a:p>
           <a:p>
-            <a:r>
-              <a:rPr lang="zh-CN" altLang="en-US" dirty="0" smtClean="0"/>
-              <a:t>获取被包装的基本类型的值</a:t>
-            </a:r>
-            <a:endParaRPr lang="en-US" altLang="zh-CN" dirty="0" smtClean="0"/>
+            <a:endParaRPr lang="zh-CN" altLang="en-US" dirty="0"/>
           </a:p>
           <a:p>
-            <a:pPr marL="0" indent="0">
-              <a:buNone/>
-            </a:pPr>
-            <a:r>
-              <a:rPr lang="en-US" altLang="zh-CN" dirty="0" smtClean="0"/>
-              <a:t>        </a:t>
-            </a:r>
-            <a:r>
-              <a:rPr lang="en-US" altLang="zh-CN" dirty="0" err="1" smtClean="0"/>
-              <a:t>m.intValue</a:t>
-            </a:r>
-            <a:r>
-              <a:rPr lang="en-US" altLang="zh-CN" dirty="0" smtClean="0"/>
-              <a:t>()</a:t>
+            <a:r>
+              <a:rPr lang="en-US" altLang="zh-CN" b="1" dirty="0" smtClean="0"/>
+              <a:t>           public </a:t>
+            </a:r>
+            <a:r>
+              <a:rPr lang="en-US" altLang="zh-CN" b="1" dirty="0"/>
+              <a:t>void m() {</a:t>
             </a:r>
           </a:p>
           <a:p>
             <a:r>
-              <a:rPr lang="zh-CN" altLang="en-US" dirty="0" smtClean="0"/>
-              <a:t>从字符串到基本类型</a:t>
-            </a:r>
-            <a:endParaRPr lang="en-US" altLang="zh-CN" dirty="0" smtClean="0"/>
+              <a:rPr lang="en-US" altLang="zh-CN" dirty="0" smtClean="0"/>
+              <a:t>           }</a:t>
+            </a:r>
+            <a:endParaRPr lang="en-US" altLang="zh-CN" dirty="0"/>
           </a:p>
           <a:p>
-            <a:pPr lvl="1"/>
-            <a:r>
-              <a:rPr lang="en-US" altLang="zh-CN" dirty="0" err="1" smtClean="0">
-                <a:solidFill>
-                  <a:srgbClr val="FF0000"/>
-                </a:solidFill>
-              </a:rPr>
-              <a:t>parseInt</a:t>
-            </a:r>
-            <a:r>
-              <a:rPr lang="en-US" altLang="zh-CN" dirty="0" smtClean="0">
-                <a:solidFill>
-                  <a:srgbClr val="FF0000"/>
-                </a:solidFill>
-              </a:rPr>
-              <a:t>(String </a:t>
-            </a:r>
-            <a:r>
-              <a:rPr lang="en-US" altLang="zh-CN" dirty="0">
-                <a:solidFill>
-                  <a:srgbClr val="FF0000"/>
-                </a:solidFill>
-              </a:rPr>
-              <a:t>s)</a:t>
-            </a:r>
-            <a:r>
-              <a:rPr lang="zh-CN" altLang="en-US" dirty="0"/>
-              <a:t>静态方法</a:t>
-            </a:r>
+            <a:endParaRPr lang="zh-CN" altLang="en-US" dirty="0"/>
+          </a:p>
+          <a:p>
+            <a:r>
+              <a:rPr lang="en-US" altLang="zh-CN" dirty="0" smtClean="0"/>
+              <a:t>         @Override </a:t>
+            </a:r>
+            <a:endParaRPr lang="en-US" altLang="zh-CN" dirty="0"/>
+          </a:p>
+          <a:p>
+            <a:r>
+              <a:rPr lang="en-US" altLang="zh-CN" b="1" dirty="0" smtClean="0"/>
+              <a:t>          public </a:t>
+            </a:r>
+            <a:r>
+              <a:rPr lang="en-US" altLang="zh-CN" b="1" dirty="0"/>
+              <a:t>void </a:t>
+            </a:r>
+            <a:r>
+              <a:rPr lang="en-US" altLang="zh-CN" b="1" dirty="0" err="1"/>
+              <a:t>methoName</a:t>
+            </a:r>
+            <a:r>
+              <a:rPr lang="en-US" altLang="zh-CN" b="1" dirty="0"/>
+              <a:t>() {</a:t>
+            </a:r>
+          </a:p>
+          <a:p>
+            <a:r>
+              <a:rPr lang="en-US" altLang="zh-CN" dirty="0" smtClean="0"/>
+              <a:t>              f </a:t>
+            </a:r>
+            <a:r>
+              <a:rPr lang="en-US" altLang="zh-CN" dirty="0"/>
+              <a:t>= 5 ;</a:t>
+            </a:r>
+          </a:p>
+          <a:p>
+            <a:r>
+              <a:rPr lang="en-US" altLang="zh-CN" dirty="0" smtClean="0"/>
+              <a:t>              m</a:t>
+            </a:r>
+            <a:r>
+              <a:rPr lang="en-US" altLang="zh-CN" dirty="0"/>
+              <a:t>();</a:t>
+            </a:r>
+          </a:p>
+          <a:p>
+            <a:r>
+              <a:rPr lang="en-US" altLang="zh-CN" dirty="0" smtClean="0"/>
+              <a:t>         }</a:t>
+            </a:r>
+            <a:endParaRPr lang="en-US" altLang="zh-CN" dirty="0"/>
+          </a:p>
+          <a:p>
+            <a:r>
+              <a:rPr lang="en-US" altLang="zh-CN" dirty="0" smtClean="0"/>
+              <a:t>     }  ;</a:t>
+            </a:r>
+            <a:endParaRPr lang="en-US" altLang="zh-CN" dirty="0"/>
+          </a:p>
+          <a:p>
+            <a:endParaRPr lang="zh-CN" altLang="en-US" dirty="0"/>
+          </a:p>
+          <a:p>
+            <a:r>
+              <a:rPr lang="en-US" altLang="zh-CN" dirty="0" smtClean="0"/>
+              <a:t>     </a:t>
+            </a:r>
+            <a:r>
+              <a:rPr lang="en-US" altLang="zh-CN" dirty="0" err="1" smtClean="0"/>
+              <a:t>d.methoName</a:t>
+            </a:r>
+            <a:r>
+              <a:rPr lang="en-US" altLang="zh-CN" dirty="0"/>
+              <a:t>();</a:t>
+            </a:r>
+          </a:p>
+          <a:p>
+            <a:r>
+              <a:rPr lang="en-US" altLang="zh-CN" dirty="0" smtClean="0"/>
+              <a:t>  }</a:t>
+            </a:r>
+            <a:endParaRPr lang="en-US" altLang="zh-CN" dirty="0"/>
+          </a:p>
+          <a:p>
+            <a:r>
+              <a:rPr lang="en-US" altLang="zh-CN" dirty="0"/>
+              <a:t>}</a:t>
+            </a:r>
+            <a:endParaRPr lang="zh-CN" altLang="en-US" dirty="0"/>
           </a:p>
         </p:txBody>
       </p:sp>
     </p:spTree>
     <p:extLst>
       <p:ext uri="{BB962C8B-B14F-4D97-AF65-F5344CB8AC3E}">
-        <p14:creationId xmlns:p14="http://schemas.microsoft.com/office/powerpoint/2010/main" val="3804854756"/>
+        <p14:creationId xmlns:p14="http://schemas.microsoft.com/office/powerpoint/2010/main" val="1298813370"/>
       </p:ext>
     </p:extLst>
   </p:cSld>
   <p:clrMapOvr>
     <a:masterClrMapping/>
   </p:clrMapOvr>
+  <p:timing>
+    <p:tnLst>
+      <p:par>
+        <p:cTn id="1" dur="indefinite" restart="never" nodeType="tmRoot"/>
+      </p:par>
+    </p:tnLst>
+  </p:timing>
 </p:sld>
 </file>
 
@@ -42452,6 +42683,13 @@
   <p:clrMapOvr>
     <a:masterClrMapping/>
   </p:clrMapOvr>
+  <p:timing>
+    <p:tnLst>
+      <p:par>
+        <p:cTn id="1" dur="indefinite" restart="never" nodeType="tmRoot"/>
+      </p:par>
+    </p:tnLst>
+  </p:timing>
 </p:sld>
 </file>
 
@@ -42490,6 +42728,255 @@
           <a:lstStyle/>
           <a:p>
             <a:r>
+              <a:rPr lang="en-US" altLang="zh-CN" dirty="0" smtClean="0"/>
+              <a:t>Wrapper</a:t>
+            </a:r>
+            <a:r>
+              <a:rPr lang="zh-CN" altLang="en-US" dirty="0" smtClean="0"/>
+              <a:t>类</a:t>
+            </a:r>
+            <a:endParaRPr lang="zh-CN" altLang="en-US" dirty="0"/>
+          </a:p>
+        </p:txBody>
+      </p:sp>
+      <p:sp>
+        <p:nvSpPr>
+          <p:cNvPr id="3" name="内容占位符 2"/>
+          <p:cNvSpPr>
+            <a:spLocks noGrp="1"/>
+          </p:cNvSpPr>
+          <p:nvPr>
+            <p:ph idx="1"/>
+          </p:nvPr>
+        </p:nvSpPr>
+        <p:spPr>
+          <a:xfrm>
+            <a:off x="457200" y="1196752"/>
+            <a:ext cx="8229600" cy="4929411"/>
+          </a:xfrm>
+        </p:spPr>
+        <p:txBody>
+          <a:bodyPr>
+            <a:normAutofit fontScale="92500"/>
+          </a:bodyPr>
+          <a:lstStyle/>
+          <a:p>
+            <a:r>
+              <a:rPr lang="en-US" altLang="zh-CN" dirty="0" smtClean="0"/>
+              <a:t>Byte</a:t>
+            </a:r>
+            <a:r>
+              <a:rPr lang="zh-CN" altLang="en-US" dirty="0"/>
+              <a:t>、</a:t>
+            </a:r>
+            <a:r>
+              <a:rPr lang="en-US" altLang="zh-CN" dirty="0"/>
+              <a:t>Short</a:t>
+            </a:r>
+            <a:r>
+              <a:rPr lang="zh-CN" altLang="en-US" dirty="0"/>
+              <a:t>、</a:t>
+            </a:r>
+            <a:r>
+              <a:rPr lang="en-US" altLang="zh-CN" dirty="0"/>
+              <a:t>Integer</a:t>
+            </a:r>
+            <a:r>
+              <a:rPr lang="zh-CN" altLang="en-US" dirty="0"/>
+              <a:t>、</a:t>
+            </a:r>
+            <a:r>
+              <a:rPr lang="en-US" altLang="zh-CN" dirty="0"/>
+              <a:t>Long</a:t>
+            </a:r>
+            <a:r>
+              <a:rPr lang="zh-CN" altLang="en-US" dirty="0"/>
+              <a:t>、</a:t>
+            </a:r>
+            <a:r>
+              <a:rPr lang="en-US" altLang="zh-CN" dirty="0"/>
+              <a:t>Character</a:t>
+            </a:r>
+            <a:r>
+              <a:rPr lang="zh-CN" altLang="en-US" dirty="0"/>
+              <a:t>、         </a:t>
+            </a:r>
+            <a:r>
+              <a:rPr lang="en-US" altLang="zh-CN" dirty="0"/>
+              <a:t>Float</a:t>
+            </a:r>
+            <a:r>
+              <a:rPr lang="zh-CN" altLang="en-US" dirty="0"/>
+              <a:t>、</a:t>
+            </a:r>
+            <a:r>
+              <a:rPr lang="en-US" altLang="zh-CN" dirty="0"/>
+              <a:t>Double</a:t>
+            </a:r>
+            <a:r>
+              <a:rPr lang="zh-CN" altLang="en-US" dirty="0"/>
+              <a:t>、</a:t>
+            </a:r>
+            <a:r>
+              <a:rPr lang="en-US" altLang="zh-CN" dirty="0" smtClean="0"/>
+              <a:t>Boolean</a:t>
+            </a:r>
+          </a:p>
+          <a:p>
+            <a:r>
+              <a:rPr lang="en-US" altLang="zh-CN" dirty="0" smtClean="0"/>
+              <a:t>auto-boxing/auto-unboxing</a:t>
+            </a:r>
+          </a:p>
+          <a:p>
+            <a:pPr marL="0" indent="0">
+              <a:buNone/>
+            </a:pPr>
+            <a:r>
+              <a:rPr lang="en-US" altLang="zh-CN" dirty="0" smtClean="0"/>
+              <a:t>       Integer m = 5 ;</a:t>
+            </a:r>
+          </a:p>
+          <a:p>
+            <a:pPr marL="0" indent="0">
+              <a:buNone/>
+            </a:pPr>
+            <a:r>
+              <a:rPr lang="en-US" altLang="zh-CN" dirty="0"/>
+              <a:t> </a:t>
+            </a:r>
+            <a:r>
+              <a:rPr lang="en-US" altLang="zh-CN" dirty="0" smtClean="0"/>
+              <a:t>      </a:t>
+            </a:r>
+            <a:r>
+              <a:rPr lang="en-US" altLang="zh-CN" dirty="0" err="1" smtClean="0"/>
+              <a:t>int</a:t>
+            </a:r>
+            <a:r>
+              <a:rPr lang="en-US" altLang="zh-CN" dirty="0" smtClean="0"/>
+              <a:t> n = m ;</a:t>
+            </a:r>
+          </a:p>
+          <a:p>
+            <a:r>
+              <a:rPr lang="zh-CN" altLang="en-US" dirty="0" smtClean="0"/>
+              <a:t>获取被包装的基本类型的值</a:t>
+            </a:r>
+            <a:endParaRPr lang="en-US" altLang="zh-CN" dirty="0" smtClean="0"/>
+          </a:p>
+          <a:p>
+            <a:pPr marL="0" indent="0">
+              <a:buNone/>
+            </a:pPr>
+            <a:r>
+              <a:rPr lang="en-US" altLang="zh-CN" dirty="0" smtClean="0"/>
+              <a:t>        </a:t>
+            </a:r>
+            <a:r>
+              <a:rPr lang="en-US" altLang="zh-CN" dirty="0" err="1" smtClean="0"/>
+              <a:t>m.intValue</a:t>
+            </a:r>
+            <a:r>
+              <a:rPr lang="en-US" altLang="zh-CN" dirty="0" smtClean="0"/>
+              <a:t>()</a:t>
+            </a:r>
+          </a:p>
+          <a:p>
+            <a:r>
+              <a:rPr lang="zh-CN" altLang="en-US" dirty="0" smtClean="0"/>
+              <a:t>从字符串到基本类型</a:t>
+            </a:r>
+            <a:endParaRPr lang="en-US" altLang="zh-CN" dirty="0" smtClean="0"/>
+          </a:p>
+          <a:p>
+            <a:pPr lvl="1"/>
+            <a:r>
+              <a:rPr lang="en-US" altLang="zh-CN" dirty="0" err="1" smtClean="0">
+                <a:solidFill>
+                  <a:srgbClr val="FF0000"/>
+                </a:solidFill>
+              </a:rPr>
+              <a:t>parseInt</a:t>
+            </a:r>
+            <a:r>
+              <a:rPr lang="en-US" altLang="zh-CN" dirty="0" smtClean="0">
+                <a:solidFill>
+                  <a:srgbClr val="FF0000"/>
+                </a:solidFill>
+              </a:rPr>
+              <a:t>(String </a:t>
+            </a:r>
+            <a:r>
+              <a:rPr lang="en-US" altLang="zh-CN" dirty="0">
+                <a:solidFill>
+                  <a:srgbClr val="FF0000"/>
+                </a:solidFill>
+              </a:rPr>
+              <a:t>s)</a:t>
+            </a:r>
+            <a:r>
+              <a:rPr lang="zh-CN" altLang="en-US" dirty="0"/>
+              <a:t>静态方法</a:t>
+            </a:r>
+          </a:p>
+        </p:txBody>
+      </p:sp>
+    </p:spTree>
+    <p:extLst>
+      <p:ext uri="{BB962C8B-B14F-4D97-AF65-F5344CB8AC3E}">
+        <p14:creationId xmlns:p14="http://schemas.microsoft.com/office/powerpoint/2010/main" val="3804854756"/>
+      </p:ext>
+    </p:extLst>
+  </p:cSld>
+  <p:clrMapOvr>
+    <a:masterClrMapping/>
+  </p:clrMapOvr>
+  <p:timing>
+    <p:tnLst>
+      <p:par>
+        <p:cTn id="1" dur="indefinite" restart="never" nodeType="tmRoot"/>
+      </p:par>
+    </p:tnLst>
+  </p:timing>
+</p:sld>
+</file>
+
+<file path=ppt/slides/slide21.xml><?xml version="1.0" encoding="utf-8"?>
+<p:sld xmlns:a="http://schemas.openxmlformats.org/drawingml/2006/main" xmlns:r="http://schemas.openxmlformats.org/officeDocument/2006/relationships" xmlns:p="http://schemas.openxmlformats.org/presentationml/2006/main">
+  <p:cSld>
+    <p:spTree>
+      <p:nvGrpSpPr>
+        <p:cNvPr id="1" name=""/>
+        <p:cNvGrpSpPr/>
+        <p:nvPr/>
+      </p:nvGrpSpPr>
+      <p:grpSpPr>
+        <a:xfrm>
+          <a:off x="0" y="0"/>
+          <a:ext cx="0" cy="0"/>
+          <a:chOff x="0" y="0"/>
+          <a:chExt cx="0" cy="0"/>
+        </a:xfrm>
+      </p:grpSpPr>
+      <p:sp>
+        <p:nvSpPr>
+          <p:cNvPr id="2" name="标题 1"/>
+          <p:cNvSpPr>
+            <a:spLocks noGrp="1"/>
+          </p:cNvSpPr>
+          <p:nvPr>
+            <p:ph type="title"/>
+          </p:nvPr>
+        </p:nvSpPr>
+        <p:spPr/>
+        <p:txBody>
+          <a:bodyPr>
+            <a:normAutofit fontScale="90000"/>
+          </a:bodyPr>
+          <a:lstStyle/>
+          <a:p>
+            <a:r>
               <a:rPr lang="zh-CN" altLang="en-US" dirty="0"/>
               <a:t>抽象方法和抽象类</a:t>
             </a:r>
@@ -42644,10 +43131,17 @@
   <p:clrMapOvr>
     <a:masterClrMapping/>
   </p:clrMapOvr>
+  <p:timing>
+    <p:tnLst>
+      <p:par>
+        <p:cTn id="1" dur="indefinite" restart="never" nodeType="tmRoot"/>
+      </p:par>
+    </p:tnLst>
+  </p:timing>
 </p:sld>
 </file>
 
-<file path=ppt/slides/slide21.xml><?xml version="1.0" encoding="utf-8"?>
+<file path=ppt/slides/slide22.xml><?xml version="1.0" encoding="utf-8"?>
 <p:sld xmlns:a="http://schemas.openxmlformats.org/drawingml/2006/main" xmlns:r="http://schemas.openxmlformats.org/officeDocument/2006/relationships" xmlns:p="http://schemas.openxmlformats.org/presentationml/2006/main">
   <p:cSld>
     <p:spTree>
@@ -42794,6 +43288,13 @@
   <p:clrMapOvr>
     <a:masterClrMapping/>
   </p:clrMapOvr>
+  <p:timing>
+    <p:tnLst>
+      <p:par>
+        <p:cTn id="1" dur="indefinite" restart="never" nodeType="tmRoot"/>
+      </p:par>
+    </p:tnLst>
+  </p:timing>
 </p:sld>
 </file>
 
@@ -42949,6 +43450,13 @@
   <p:clrMapOvr>
     <a:masterClrMapping/>
   </p:clrMapOvr>
+  <p:timing>
+    <p:tnLst>
+      <p:par>
+        <p:cTn id="1" dur="indefinite" restart="never" nodeType="tmRoot"/>
+      </p:par>
+    </p:tnLst>
+  </p:timing>
 </p:sld>
 </file>
 
